--- a/docs/diagrams/Command_Switch.pptx
+++ b/docs/diagrams/Command_Switch.pptx
@@ -197,7 +197,7 @@
           <a:p>
             <a:fld id="{8E5BA410-AEFC-4096-AA07-0FAC84D99832}" type="datetimeFigureOut">
               <a:rPr lang="en-SG" smtClean="0"/>
-              <a:t>1/11/2018</a:t>
+              <a:t>2/11/2018</a:t>
             </a:fld>
             <a:endParaRPr lang="en-SG"/>
           </a:p>
@@ -701,7 +701,7 @@
           <a:p>
             <a:fld id="{9EA1E237-0560-428C-B221-4A3423CA1D4D}" type="datetimeFigureOut">
               <a:rPr lang="en-SG" smtClean="0"/>
-              <a:t>1/11/2018</a:t>
+              <a:t>2/11/2018</a:t>
             </a:fld>
             <a:endParaRPr lang="en-SG"/>
           </a:p>
@@ -901,7 +901,7 @@
           <a:p>
             <a:fld id="{9EA1E237-0560-428C-B221-4A3423CA1D4D}" type="datetimeFigureOut">
               <a:rPr lang="en-SG" smtClean="0"/>
-              <a:t>1/11/2018</a:t>
+              <a:t>2/11/2018</a:t>
             </a:fld>
             <a:endParaRPr lang="en-SG"/>
           </a:p>
@@ -1111,7 +1111,7 @@
           <a:p>
             <a:fld id="{9EA1E237-0560-428C-B221-4A3423CA1D4D}" type="datetimeFigureOut">
               <a:rPr lang="en-SG" smtClean="0"/>
-              <a:t>1/11/2018</a:t>
+              <a:t>2/11/2018</a:t>
             </a:fld>
             <a:endParaRPr lang="en-SG"/>
           </a:p>
@@ -1311,7 +1311,7 @@
           <a:p>
             <a:fld id="{9EA1E237-0560-428C-B221-4A3423CA1D4D}" type="datetimeFigureOut">
               <a:rPr lang="en-SG" smtClean="0"/>
-              <a:t>1/11/2018</a:t>
+              <a:t>2/11/2018</a:t>
             </a:fld>
             <a:endParaRPr lang="en-SG"/>
           </a:p>
@@ -1587,7 +1587,7 @@
           <a:p>
             <a:fld id="{9EA1E237-0560-428C-B221-4A3423CA1D4D}" type="datetimeFigureOut">
               <a:rPr lang="en-SG" smtClean="0"/>
-              <a:t>1/11/2018</a:t>
+              <a:t>2/11/2018</a:t>
             </a:fld>
             <a:endParaRPr lang="en-SG"/>
           </a:p>
@@ -1855,7 +1855,7 @@
           <a:p>
             <a:fld id="{9EA1E237-0560-428C-B221-4A3423CA1D4D}" type="datetimeFigureOut">
               <a:rPr lang="en-SG" smtClean="0"/>
-              <a:t>1/11/2018</a:t>
+              <a:t>2/11/2018</a:t>
             </a:fld>
             <a:endParaRPr lang="en-SG"/>
           </a:p>
@@ -2270,7 +2270,7 @@
           <a:p>
             <a:fld id="{9EA1E237-0560-428C-B221-4A3423CA1D4D}" type="datetimeFigureOut">
               <a:rPr lang="en-SG" smtClean="0"/>
-              <a:t>1/11/2018</a:t>
+              <a:t>2/11/2018</a:t>
             </a:fld>
             <a:endParaRPr lang="en-SG"/>
           </a:p>
@@ -2412,7 +2412,7 @@
           <a:p>
             <a:fld id="{9EA1E237-0560-428C-B221-4A3423CA1D4D}" type="datetimeFigureOut">
               <a:rPr lang="en-SG" smtClean="0"/>
-              <a:t>1/11/2018</a:t>
+              <a:t>2/11/2018</a:t>
             </a:fld>
             <a:endParaRPr lang="en-SG"/>
           </a:p>
@@ -2525,7 +2525,7 @@
           <a:p>
             <a:fld id="{9EA1E237-0560-428C-B221-4A3423CA1D4D}" type="datetimeFigureOut">
               <a:rPr lang="en-SG" smtClean="0"/>
-              <a:t>1/11/2018</a:t>
+              <a:t>2/11/2018</a:t>
             </a:fld>
             <a:endParaRPr lang="en-SG"/>
           </a:p>
@@ -2838,7 +2838,7 @@
           <a:p>
             <a:fld id="{9EA1E237-0560-428C-B221-4A3423CA1D4D}" type="datetimeFigureOut">
               <a:rPr lang="en-SG" smtClean="0"/>
-              <a:t>1/11/2018</a:t>
+              <a:t>2/11/2018</a:t>
             </a:fld>
             <a:endParaRPr lang="en-SG"/>
           </a:p>
@@ -3127,7 +3127,7 @@
           <a:p>
             <a:fld id="{9EA1E237-0560-428C-B221-4A3423CA1D4D}" type="datetimeFigureOut">
               <a:rPr lang="en-SG" smtClean="0"/>
-              <a:t>1/11/2018</a:t>
+              <a:t>2/11/2018</a:t>
             </a:fld>
             <a:endParaRPr lang="en-SG"/>
           </a:p>
@@ -3370,7 +3370,7 @@
           <a:p>
             <a:fld id="{9EA1E237-0560-428C-B221-4A3423CA1D4D}" type="datetimeFigureOut">
               <a:rPr lang="en-SG" smtClean="0"/>
-              <a:t>1/11/2018</a:t>
+              <a:t>2/11/2018</a:t>
             </a:fld>
             <a:endParaRPr lang="en-SG"/>
           </a:p>
@@ -3823,36 +3823,6 @@
           </a:prstGeom>
         </p:spPr>
       </p:pic>
-      <p:pic>
-        <p:nvPicPr>
-          <p:cNvPr id="8" name="Picture 7">
-            <a:extLst>
-              <a:ext uri="{FF2B5EF4-FFF2-40B4-BE49-F238E27FC236}">
-                <a16:creationId xmlns:a16="http://schemas.microsoft.com/office/drawing/2014/main" id="{0BFEFA46-6590-4521-979A-E3A48E444226}"/>
-              </a:ext>
-            </a:extLst>
-          </p:cNvPr>
-          <p:cNvPicPr>
-            <a:picLocks noChangeAspect="1"/>
-          </p:cNvPicPr>
-          <p:nvPr/>
-        </p:nvPicPr>
-        <p:blipFill>
-          <a:blip r:embed="rId4"/>
-          <a:stretch>
-            <a:fillRect/>
-          </a:stretch>
-        </p:blipFill>
-        <p:spPr>
-          <a:xfrm>
-            <a:off x="1644692" y="595452"/>
-            <a:ext cx="3264068" cy="5748848"/>
-          </a:xfrm>
-          <a:prstGeom prst="rect">
-            <a:avLst/>
-          </a:prstGeom>
-        </p:spPr>
-      </p:pic>
       <p:sp>
         <p:nvSpPr>
           <p:cNvPr id="2" name="Arrow: Right 1">
@@ -3902,6 +3872,36 @@
           </a:p>
         </p:txBody>
       </p:sp>
+      <p:pic>
+        <p:nvPicPr>
+          <p:cNvPr id="3" name="Picture 2">
+            <a:extLst>
+              <a:ext uri="{FF2B5EF4-FFF2-40B4-BE49-F238E27FC236}">
+                <a16:creationId xmlns:a16="http://schemas.microsoft.com/office/drawing/2014/main" id="{DD5A4B40-CAE4-484B-AB93-01F9C343AA59}"/>
+              </a:ext>
+            </a:extLst>
+          </p:cNvPr>
+          <p:cNvPicPr>
+            <a:picLocks noChangeAspect="1"/>
+          </p:cNvPicPr>
+          <p:nvPr/>
+        </p:nvPicPr>
+        <p:blipFill>
+          <a:blip r:embed="rId4"/>
+          <a:stretch>
+            <a:fillRect/>
+          </a:stretch>
+        </p:blipFill>
+        <p:spPr>
+          <a:xfrm>
+            <a:off x="1593803" y="609955"/>
+            <a:ext cx="3257680" cy="5748848"/>
+          </a:xfrm>
+          <a:prstGeom prst="rect">
+            <a:avLst/>
+          </a:prstGeom>
+        </p:spPr>
+      </p:pic>
     </p:spTree>
     <p:extLst>
       <p:ext uri="{BB962C8B-B14F-4D97-AF65-F5344CB8AC3E}">

--- a/docs/diagrams/Command_Switch.pptx
+++ b/docs/diagrams/Command_Switch.pptx
@@ -5,10 +5,11 @@
     <p:sldMasterId id="2147483648" r:id="rId1"/>
   </p:sldMasterIdLst>
   <p:notesMasterIdLst>
-    <p:notesMasterId r:id="rId3"/>
+    <p:notesMasterId r:id="rId4"/>
   </p:notesMasterIdLst>
   <p:sldIdLst>
     <p:sldId id="258" r:id="rId2"/>
+    <p:sldId id="259" r:id="rId3"/>
   </p:sldIdLst>
   <p:sldSz cx="12192000" cy="6858000"/>
   <p:notesSz cx="6858000" cy="9144000"/>
@@ -197,7 +198,7 @@
           <a:p>
             <a:fld id="{8E5BA410-AEFC-4096-AA07-0FAC84D99832}" type="datetimeFigureOut">
               <a:rPr lang="en-SG" smtClean="0"/>
-              <a:t>2/11/2018</a:t>
+              <a:t>10/11/2018</a:t>
             </a:fld>
             <a:endParaRPr lang="en-SG"/>
           </a:p>
@@ -701,7 +702,7 @@
           <a:p>
             <a:fld id="{9EA1E237-0560-428C-B221-4A3423CA1D4D}" type="datetimeFigureOut">
               <a:rPr lang="en-SG" smtClean="0"/>
-              <a:t>2/11/2018</a:t>
+              <a:t>10/11/2018</a:t>
             </a:fld>
             <a:endParaRPr lang="en-SG"/>
           </a:p>
@@ -901,7 +902,7 @@
           <a:p>
             <a:fld id="{9EA1E237-0560-428C-B221-4A3423CA1D4D}" type="datetimeFigureOut">
               <a:rPr lang="en-SG" smtClean="0"/>
-              <a:t>2/11/2018</a:t>
+              <a:t>10/11/2018</a:t>
             </a:fld>
             <a:endParaRPr lang="en-SG"/>
           </a:p>
@@ -1111,7 +1112,7 @@
           <a:p>
             <a:fld id="{9EA1E237-0560-428C-B221-4A3423CA1D4D}" type="datetimeFigureOut">
               <a:rPr lang="en-SG" smtClean="0"/>
-              <a:t>2/11/2018</a:t>
+              <a:t>10/11/2018</a:t>
             </a:fld>
             <a:endParaRPr lang="en-SG"/>
           </a:p>
@@ -1311,7 +1312,7 @@
           <a:p>
             <a:fld id="{9EA1E237-0560-428C-B221-4A3423CA1D4D}" type="datetimeFigureOut">
               <a:rPr lang="en-SG" smtClean="0"/>
-              <a:t>2/11/2018</a:t>
+              <a:t>10/11/2018</a:t>
             </a:fld>
             <a:endParaRPr lang="en-SG"/>
           </a:p>
@@ -1587,7 +1588,7 @@
           <a:p>
             <a:fld id="{9EA1E237-0560-428C-B221-4A3423CA1D4D}" type="datetimeFigureOut">
               <a:rPr lang="en-SG" smtClean="0"/>
-              <a:t>2/11/2018</a:t>
+              <a:t>10/11/2018</a:t>
             </a:fld>
             <a:endParaRPr lang="en-SG"/>
           </a:p>
@@ -1855,7 +1856,7 @@
           <a:p>
             <a:fld id="{9EA1E237-0560-428C-B221-4A3423CA1D4D}" type="datetimeFigureOut">
               <a:rPr lang="en-SG" smtClean="0"/>
-              <a:t>2/11/2018</a:t>
+              <a:t>10/11/2018</a:t>
             </a:fld>
             <a:endParaRPr lang="en-SG"/>
           </a:p>
@@ -2270,7 +2271,7 @@
           <a:p>
             <a:fld id="{9EA1E237-0560-428C-B221-4A3423CA1D4D}" type="datetimeFigureOut">
               <a:rPr lang="en-SG" smtClean="0"/>
-              <a:t>2/11/2018</a:t>
+              <a:t>10/11/2018</a:t>
             </a:fld>
             <a:endParaRPr lang="en-SG"/>
           </a:p>
@@ -2412,7 +2413,7 @@
           <a:p>
             <a:fld id="{9EA1E237-0560-428C-B221-4A3423CA1D4D}" type="datetimeFigureOut">
               <a:rPr lang="en-SG" smtClean="0"/>
-              <a:t>2/11/2018</a:t>
+              <a:t>10/11/2018</a:t>
             </a:fld>
             <a:endParaRPr lang="en-SG"/>
           </a:p>
@@ -2525,7 +2526,7 @@
           <a:p>
             <a:fld id="{9EA1E237-0560-428C-B221-4A3423CA1D4D}" type="datetimeFigureOut">
               <a:rPr lang="en-SG" smtClean="0"/>
-              <a:t>2/11/2018</a:t>
+              <a:t>10/11/2018</a:t>
             </a:fld>
             <a:endParaRPr lang="en-SG"/>
           </a:p>
@@ -2838,7 +2839,7 @@
           <a:p>
             <a:fld id="{9EA1E237-0560-428C-B221-4A3423CA1D4D}" type="datetimeFigureOut">
               <a:rPr lang="en-SG" smtClean="0"/>
-              <a:t>2/11/2018</a:t>
+              <a:t>10/11/2018</a:t>
             </a:fld>
             <a:endParaRPr lang="en-SG"/>
           </a:p>
@@ -3127,7 +3128,7 @@
           <a:p>
             <a:fld id="{9EA1E237-0560-428C-B221-4A3423CA1D4D}" type="datetimeFigureOut">
               <a:rPr lang="en-SG" smtClean="0"/>
-              <a:t>2/11/2018</a:t>
+              <a:t>10/11/2018</a:t>
             </a:fld>
             <a:endParaRPr lang="en-SG"/>
           </a:p>
@@ -3370,7 +3371,7 @@
           <a:p>
             <a:fld id="{9EA1E237-0560-428C-B221-4A3423CA1D4D}" type="datetimeFigureOut">
               <a:rPr lang="en-SG" smtClean="0"/>
-              <a:t>2/11/2018</a:t>
+              <a:t>10/11/2018</a:t>
             </a:fld>
             <a:endParaRPr lang="en-SG"/>
           </a:p>
@@ -3787,42 +3788,6 @@
           <a:chExt cx="0" cy="0"/>
         </a:xfrm>
       </p:grpSpPr>
-      <p:pic>
-        <p:nvPicPr>
-          <p:cNvPr id="5" name="Picture 4">
-            <a:extLst>
-              <a:ext uri="{FF2B5EF4-FFF2-40B4-BE49-F238E27FC236}">
-                <a16:creationId xmlns:a16="http://schemas.microsoft.com/office/drawing/2014/main" id="{CB1924E4-30B7-4FD5-B6E2-33FD5ACD398D}"/>
-              </a:ext>
-            </a:extLst>
-          </p:cNvPr>
-          <p:cNvPicPr>
-            <a:picLocks noChangeAspect="1"/>
-          </p:cNvPicPr>
-          <p:nvPr/>
-        </p:nvPicPr>
-        <p:blipFill>
-          <a:blip r:embed="rId3">
-            <a:extLst>
-              <a:ext uri="{28A0092B-C50C-407E-A947-70E740481C1C}">
-                <a14:useLocalDpi xmlns:a14="http://schemas.microsoft.com/office/drawing/2010/main" val="0"/>
-              </a:ext>
-            </a:extLst>
-          </a:blip>
-          <a:stretch>
-            <a:fillRect/>
-          </a:stretch>
-        </p:blipFill>
-        <p:spPr>
-          <a:xfrm>
-            <a:off x="6364705" y="609955"/>
-            <a:ext cx="3264068" cy="5734345"/>
-          </a:xfrm>
-          <a:prstGeom prst="rect">
-            <a:avLst/>
-          </a:prstGeom>
-        </p:spPr>
-      </p:pic>
       <p:sp>
         <p:nvSpPr>
           <p:cNvPr id="2" name="Arrow: Right 1">
@@ -3874,10 +3839,40 @@
       </p:sp>
       <p:pic>
         <p:nvPicPr>
-          <p:cNvPr id="3" name="Picture 2">
-            <a:extLst>
-              <a:ext uri="{FF2B5EF4-FFF2-40B4-BE49-F238E27FC236}">
-                <a16:creationId xmlns:a16="http://schemas.microsoft.com/office/drawing/2014/main" id="{DD5A4B40-CAE4-484B-AB93-01F9C343AA59}"/>
+          <p:cNvPr id="4" name="Picture 3">
+            <a:extLst>
+              <a:ext uri="{FF2B5EF4-FFF2-40B4-BE49-F238E27FC236}">
+                <a16:creationId xmlns:a16="http://schemas.microsoft.com/office/drawing/2014/main" id="{C2E213EB-0902-4A7A-BB56-452708BE44F9}"/>
+              </a:ext>
+            </a:extLst>
+          </p:cNvPr>
+          <p:cNvPicPr>
+            <a:picLocks noChangeAspect="1"/>
+          </p:cNvPicPr>
+          <p:nvPr/>
+        </p:nvPicPr>
+        <p:blipFill>
+          <a:blip r:embed="rId3"/>
+          <a:stretch>
+            <a:fillRect/>
+          </a:stretch>
+        </p:blipFill>
+        <p:spPr>
+          <a:xfrm>
+            <a:off x="6547584" y="293554"/>
+            <a:ext cx="3036287" cy="6270892"/>
+          </a:xfrm>
+          <a:prstGeom prst="rect">
+            <a:avLst/>
+          </a:prstGeom>
+        </p:spPr>
+      </p:pic>
+      <p:pic>
+        <p:nvPicPr>
+          <p:cNvPr id="6" name="Picture 5">
+            <a:extLst>
+              <a:ext uri="{FF2B5EF4-FFF2-40B4-BE49-F238E27FC236}">
+                <a16:creationId xmlns:a16="http://schemas.microsoft.com/office/drawing/2014/main" id="{3AB89B16-8095-4EE5-8CEF-AE43BE4D01E8}"/>
               </a:ext>
             </a:extLst>
           </p:cNvPr>
@@ -3894,18 +3889,147 @@
         </p:blipFill>
         <p:spPr>
           <a:xfrm>
-            <a:off x="1593803" y="609955"/>
-            <a:ext cx="3257680" cy="5748848"/>
+            <a:off x="1767179" y="293554"/>
+            <a:ext cx="3012487" cy="6270892"/>
           </a:xfrm>
           <a:prstGeom prst="rect">
             <a:avLst/>
           </a:prstGeom>
         </p:spPr>
       </p:pic>
+      <p:sp>
+        <p:nvSpPr>
+          <p:cNvPr id="7" name="Rectangle 6">
+            <a:extLst>
+              <a:ext uri="{FF2B5EF4-FFF2-40B4-BE49-F238E27FC236}">
+                <a16:creationId xmlns:a16="http://schemas.microsoft.com/office/drawing/2014/main" id="{74BFEBD9-829C-4AFD-B321-0036B807134B}"/>
+              </a:ext>
+            </a:extLst>
+          </p:cNvPr>
+          <p:cNvSpPr/>
+          <p:nvPr/>
+        </p:nvSpPr>
+        <p:spPr>
+          <a:xfrm>
+            <a:off x="6547584" y="800100"/>
+            <a:ext cx="3012487" cy="1291590"/>
+          </a:xfrm>
+          <a:prstGeom prst="rect">
+            <a:avLst/>
+          </a:prstGeom>
+          <a:noFill/>
+          <a:ln w="38100">
+            <a:solidFill>
+              <a:srgbClr val="FF0000"/>
+            </a:solidFill>
+          </a:ln>
+        </p:spPr>
+        <p:style>
+          <a:lnRef idx="2">
+            <a:schemeClr val="accent1">
+              <a:shade val="50000"/>
+            </a:schemeClr>
+          </a:lnRef>
+          <a:fillRef idx="1">
+            <a:schemeClr val="accent1"/>
+          </a:fillRef>
+          <a:effectRef idx="0">
+            <a:schemeClr val="accent1"/>
+          </a:effectRef>
+          <a:fontRef idx="minor">
+            <a:schemeClr val="lt1"/>
+          </a:fontRef>
+        </p:style>
+        <p:txBody>
+          <a:bodyPr rtlCol="0" anchor="ctr"/>
+          <a:lstStyle/>
+          <a:p>
+            <a:pPr algn="ctr"/>
+            <a:endParaRPr lang="en-SG"/>
+          </a:p>
+        </p:txBody>
+      </p:sp>
     </p:spTree>
     <p:extLst>
       <p:ext uri="{BB962C8B-B14F-4D97-AF65-F5344CB8AC3E}">
         <p14:creationId xmlns:p14="http://schemas.microsoft.com/office/powerpoint/2010/main" val="30298770"/>
+      </p:ext>
+    </p:extLst>
+  </p:cSld>
+  <p:clrMapOvr>
+    <a:masterClrMapping/>
+  </p:clrMapOvr>
+</p:sld>
+</file>
+
+<file path=ppt/slides/slide2.xml><?xml version="1.0" encoding="utf-8"?>
+<p:sld xmlns:a="http://schemas.openxmlformats.org/drawingml/2006/main" xmlns:r="http://schemas.openxmlformats.org/officeDocument/2006/relationships" xmlns:p="http://schemas.openxmlformats.org/presentationml/2006/main">
+  <p:cSld>
+    <p:spTree>
+      <p:nvGrpSpPr>
+        <p:cNvPr id="1" name=""/>
+        <p:cNvGrpSpPr/>
+        <p:nvPr/>
+      </p:nvGrpSpPr>
+      <p:grpSpPr>
+        <a:xfrm>
+          <a:off x="0" y="0"/>
+          <a:ext cx="0" cy="0"/>
+          <a:chOff x="0" y="0"/>
+          <a:chExt cx="0" cy="0"/>
+        </a:xfrm>
+      </p:grpSpPr>
+      <p:pic>
+        <p:nvPicPr>
+          <p:cNvPr id="1026" name="Picture 2" descr="https://lh6.googleusercontent.com/1WjkInzzC5w31shtEM1xONkuMDXA8I0x6Za_m34BrWwqbzzVO8Pv-QNg9qCQZxSyonBvdEhuWwumIl0NKbAvoJdOddjGAKb0ZfzYkKrrQOAhc9nQX2XLzM2-BJ_dibArMWfsVXD-22o">
+            <a:extLst>
+              <a:ext uri="{FF2B5EF4-FFF2-40B4-BE49-F238E27FC236}">
+                <a16:creationId xmlns:a16="http://schemas.microsoft.com/office/drawing/2014/main" id="{636AA7EF-E49B-4E26-9187-C308C6277C84}"/>
+              </a:ext>
+            </a:extLst>
+          </p:cNvPr>
+          <p:cNvPicPr>
+            <a:picLocks noChangeAspect="1" noChangeArrowheads="1"/>
+          </p:cNvPicPr>
+          <p:nvPr/>
+        </p:nvPicPr>
+        <p:blipFill>
+          <a:blip r:embed="rId2">
+            <a:extLst>
+              <a:ext uri="{28A0092B-C50C-407E-A947-70E740481C1C}">
+                <a14:useLocalDpi xmlns:a14="http://schemas.microsoft.com/office/drawing/2010/main" val="0"/>
+              </a:ext>
+            </a:extLst>
+          </a:blip>
+          <a:srcRect/>
+          <a:stretch>
+            <a:fillRect/>
+          </a:stretch>
+        </p:blipFill>
+        <p:spPr bwMode="auto">
+          <a:xfrm>
+            <a:off x="0" y="366713"/>
+            <a:ext cx="12192000" cy="6124575"/>
+          </a:xfrm>
+          <a:prstGeom prst="rect">
+            <a:avLst/>
+          </a:prstGeom>
+          <a:noFill/>
+          <a:extLst>
+            <a:ext uri="{909E8E84-426E-40DD-AFC4-6F175D3DCCD1}">
+              <a14:hiddenFill xmlns:a14="http://schemas.microsoft.com/office/drawing/2010/main">
+                <a:solidFill>
+                  <a:srgbClr val="FFFFFF"/>
+                </a:solidFill>
+              </a14:hiddenFill>
+            </a:ext>
+          </a:extLst>
+        </p:spPr>
+      </p:pic>
+    </p:spTree>
+    <p:extLst>
+      <p:ext uri="{BB962C8B-B14F-4D97-AF65-F5344CB8AC3E}">
+        <p14:creationId xmlns:p14="http://schemas.microsoft.com/office/powerpoint/2010/main" val="653807080"/>
       </p:ext>
     </p:extLst>
   </p:cSld>
